--- a/reports/D2/images/semus-architecture.pptx
+++ b/reports/D2/images/semus-architecture.pptx
@@ -107,6 +107,11 @@
       </a:defRPr>
     </a:lvl9pPr>
   </p:defaultTextStyle>
+  <p:extLst>
+    <p:ext uri="{EFAFB233-063F-42B5-8137-9DF3F51BA10A}">
+      <p15:sldGuideLst xmlns:p15="http://schemas.microsoft.com/office/powerpoint/2012/main"/>
+    </p:ext>
+  </p:extLst>
 </p:presentation>
 </file>
 
@@ -192,7 +197,7 @@
           <a:p>
             <a:fld id="{FBF5E3DE-0019-8742-9CDD-CFB18D6AF8EA}" type="datetimeFigureOut">
               <a:rPr lang="en-LU" smtClean="0"/>
-              <a:t>08/09/2021</a:t>
+              <a:t>13/09/2021</a:t>
             </a:fld>
             <a:endParaRPr lang="en-LU"/>
           </a:p>
@@ -693,7 +698,7 @@
           <a:p>
             <a:fld id="{BC05ADCE-6DD1-5348-873E-FCD78B89F519}" type="datetimeFigureOut">
               <a:rPr lang="en-LU" smtClean="0"/>
-              <a:t>08/09/2021</a:t>
+              <a:t>13/09/2021</a:t>
             </a:fld>
             <a:endParaRPr lang="en-LU"/>
           </a:p>
@@ -893,7 +898,7 @@
           <a:p>
             <a:fld id="{BC05ADCE-6DD1-5348-873E-FCD78B89F519}" type="datetimeFigureOut">
               <a:rPr lang="en-LU" smtClean="0"/>
-              <a:t>08/09/2021</a:t>
+              <a:t>13/09/2021</a:t>
             </a:fld>
             <a:endParaRPr lang="en-LU"/>
           </a:p>
@@ -1103,7 +1108,7 @@
           <a:p>
             <a:fld id="{BC05ADCE-6DD1-5348-873E-FCD78B89F519}" type="datetimeFigureOut">
               <a:rPr lang="en-LU" smtClean="0"/>
-              <a:t>08/09/2021</a:t>
+              <a:t>13/09/2021</a:t>
             </a:fld>
             <a:endParaRPr lang="en-LU"/>
           </a:p>
@@ -1779,7 +1784,7 @@
           <a:p>
             <a:fld id="{BC05ADCE-6DD1-5348-873E-FCD78B89F519}" type="datetimeFigureOut">
               <a:rPr lang="en-LU" smtClean="0"/>
-              <a:t>08/09/2021</a:t>
+              <a:t>13/09/2021</a:t>
             </a:fld>
             <a:endParaRPr lang="en-LU"/>
           </a:p>
@@ -2055,7 +2060,7 @@
           <a:p>
             <a:fld id="{BC05ADCE-6DD1-5348-873E-FCD78B89F519}" type="datetimeFigureOut">
               <a:rPr lang="en-LU" smtClean="0"/>
-              <a:t>08/09/2021</a:t>
+              <a:t>13/09/2021</a:t>
             </a:fld>
             <a:endParaRPr lang="en-LU"/>
           </a:p>
@@ -2323,7 +2328,7 @@
           <a:p>
             <a:fld id="{BC05ADCE-6DD1-5348-873E-FCD78B89F519}" type="datetimeFigureOut">
               <a:rPr lang="en-LU" smtClean="0"/>
-              <a:t>08/09/2021</a:t>
+              <a:t>13/09/2021</a:t>
             </a:fld>
             <a:endParaRPr lang="en-LU"/>
           </a:p>
@@ -2738,7 +2743,7 @@
           <a:p>
             <a:fld id="{BC05ADCE-6DD1-5348-873E-FCD78B89F519}" type="datetimeFigureOut">
               <a:rPr lang="en-LU" smtClean="0"/>
-              <a:t>08/09/2021</a:t>
+              <a:t>13/09/2021</a:t>
             </a:fld>
             <a:endParaRPr lang="en-LU"/>
           </a:p>
@@ -2880,7 +2885,7 @@
           <a:p>
             <a:fld id="{BC05ADCE-6DD1-5348-873E-FCD78B89F519}" type="datetimeFigureOut">
               <a:rPr lang="en-LU" smtClean="0"/>
-              <a:t>08/09/2021</a:t>
+              <a:t>13/09/2021</a:t>
             </a:fld>
             <a:endParaRPr lang="en-LU"/>
           </a:p>
@@ -2993,7 +2998,7 @@
           <a:p>
             <a:fld id="{BC05ADCE-6DD1-5348-873E-FCD78B89F519}" type="datetimeFigureOut">
               <a:rPr lang="en-LU" smtClean="0"/>
-              <a:t>08/09/2021</a:t>
+              <a:t>13/09/2021</a:t>
             </a:fld>
             <a:endParaRPr lang="en-LU"/>
           </a:p>
@@ -3306,7 +3311,7 @@
           <a:p>
             <a:fld id="{BC05ADCE-6DD1-5348-873E-FCD78B89F519}" type="datetimeFigureOut">
               <a:rPr lang="en-LU" smtClean="0"/>
-              <a:t>08/09/2021</a:t>
+              <a:t>13/09/2021</a:t>
             </a:fld>
             <a:endParaRPr lang="en-LU"/>
           </a:p>
@@ -3595,7 +3600,7 @@
           <a:p>
             <a:fld id="{BC05ADCE-6DD1-5348-873E-FCD78B89F519}" type="datetimeFigureOut">
               <a:rPr lang="en-LU" smtClean="0"/>
-              <a:t>08/09/2021</a:t>
+              <a:t>13/09/2021</a:t>
             </a:fld>
             <a:endParaRPr lang="en-LU"/>
           </a:p>
@@ -3838,7 +3843,7 @@
           <a:p>
             <a:fld id="{BC05ADCE-6DD1-5348-873E-FCD78B89F519}" type="datetimeFigureOut">
               <a:rPr lang="en-LU" smtClean="0"/>
-              <a:t>08/09/2021</a:t>
+              <a:t>13/09/2021</a:t>
             </a:fld>
             <a:endParaRPr lang="en-LU"/>
           </a:p>
@@ -4302,7 +4307,10 @@
           <a:lstStyle/>
           <a:p>
             <a:pPr algn="ctr"/>
-            <a:endParaRPr lang="en-LU"/>
+            <a:endParaRPr lang="en-LU" sz="1600">
+              <a:latin typeface="Helvetica" pitchFamily="2" charset="0"/>
+              <a:cs typeface="Arial" panose="020B0604020202020204" pitchFamily="34" charset="0"/>
+            </a:endParaRPr>
           </a:p>
         </p:txBody>
       </p:sp>
@@ -4353,10 +4361,12 @@
           <a:p>
             <a:pPr algn="ctr"/>
             <a:r>
-              <a:rPr lang="en-LU" sz="2400">
+              <a:rPr lang="en-LU" sz="2400" b="1" dirty="0">
                 <a:solidFill>
                   <a:srgbClr val="2F528F"/>
                 </a:solidFill>
+                <a:latin typeface="Helvetica" pitchFamily="2" charset="0"/>
+                <a:cs typeface="Arial" panose="020B0604020202020204" pitchFamily="34" charset="0"/>
               </a:rPr>
               <a:t>MASS</a:t>
             </a:r>
@@ -4377,10 +4387,10 @@
         </p:nvGrpSpPr>
         <p:grpSpPr>
           <a:xfrm>
-            <a:off x="1844310" y="3879530"/>
-            <a:ext cx="1244721" cy="830998"/>
-            <a:chOff x="2062752" y="4784965"/>
-            <a:chExt cx="1244721" cy="830998"/>
+            <a:off x="1851448" y="3886788"/>
+            <a:ext cx="1237583" cy="830997"/>
+            <a:chOff x="2069890" y="4784966"/>
+            <a:chExt cx="1237583" cy="830997"/>
           </a:xfrm>
           <a:solidFill>
             <a:schemeClr val="bg2"/>
@@ -4432,7 +4442,10 @@
             <a:lstStyle/>
             <a:p>
               <a:pPr algn="ctr"/>
-              <a:endParaRPr lang="en-LU"/>
+              <a:endParaRPr lang="en-LU" sz="1600">
+                <a:latin typeface="Helvetica" pitchFamily="2" charset="0"/>
+                <a:cs typeface="Arial" panose="020B0604020202020204" pitchFamily="34" charset="0"/>
+              </a:endParaRPr>
             </a:p>
           </p:txBody>
         </p:sp>
@@ -4450,8 +4463,8 @@
           </p:nvSpPr>
           <p:spPr>
             <a:xfrm>
-              <a:off x="2062752" y="4784965"/>
-              <a:ext cx="1237583" cy="830997"/>
+              <a:off x="2134592" y="4824988"/>
+              <a:ext cx="1095172" cy="707886"/>
             </a:xfrm>
             <a:prstGeom prst="rect">
               <a:avLst/>
@@ -4466,10 +4479,12 @@
             <a:p>
               <a:pPr algn="ctr"/>
               <a:r>
-                <a:rPr lang="en-LU" sz="2400">
+                <a:rPr lang="en-LU" sz="2000" dirty="0">
                   <a:solidFill>
                     <a:srgbClr val="2F528F"/>
                   </a:solidFill>
+                  <a:latin typeface="Helvetica" pitchFamily="2" charset="0"/>
+                  <a:cs typeface="Arial" panose="020B0604020202020204" pitchFamily="34" charset="0"/>
                 </a:rPr>
                 <a:t>Live</a:t>
               </a:r>
@@ -4477,10 +4492,12 @@
             <a:p>
               <a:pPr algn="ctr"/>
               <a:r>
-                <a:rPr lang="en-LU" sz="2400">
+                <a:rPr lang="en-LU" sz="2000" dirty="0">
                   <a:solidFill>
                     <a:srgbClr val="2F528F"/>
                   </a:solidFill>
+                  <a:latin typeface="Helvetica" pitchFamily="2" charset="0"/>
+                  <a:cs typeface="Arial" panose="020B0604020202020204" pitchFamily="34" charset="0"/>
                 </a:rPr>
                 <a:t>Mutants</a:t>
               </a:r>
@@ -4502,10 +4519,10 @@
         </p:nvGrpSpPr>
         <p:grpSpPr>
           <a:xfrm>
-            <a:off x="1858310" y="2911521"/>
-            <a:ext cx="1237584" cy="830998"/>
-            <a:chOff x="7959655" y="5229144"/>
-            <a:chExt cx="1237584" cy="830998"/>
+            <a:off x="1858311" y="2918779"/>
+            <a:ext cx="1237583" cy="830997"/>
+            <a:chOff x="7959656" y="5229145"/>
+            <a:chExt cx="1237583" cy="830997"/>
           </a:xfrm>
           <a:solidFill>
             <a:schemeClr val="bg2"/>
@@ -4557,7 +4574,10 @@
             <a:lstStyle/>
             <a:p>
               <a:pPr algn="ctr"/>
-              <a:endParaRPr lang="en-LU"/>
+              <a:endParaRPr lang="en-LU" sz="1600">
+                <a:latin typeface="Helvetica" pitchFamily="2" charset="0"/>
+                <a:cs typeface="Arial" panose="020B0604020202020204" pitchFamily="34" charset="0"/>
+              </a:endParaRPr>
             </a:p>
           </p:txBody>
         </p:sp>
@@ -4575,8 +4595,8 @@
           </p:nvSpPr>
           <p:spPr>
             <a:xfrm>
-              <a:off x="7959655" y="5229144"/>
-              <a:ext cx="1237583" cy="830997"/>
+              <a:off x="8030861" y="5290700"/>
+              <a:ext cx="1095172" cy="707886"/>
             </a:xfrm>
             <a:prstGeom prst="rect">
               <a:avLst/>
@@ -4591,10 +4611,12 @@
             <a:p>
               <a:pPr algn="ctr"/>
               <a:r>
-                <a:rPr lang="en-LU" sz="2400">
+                <a:rPr lang="en-LU" sz="2000" dirty="0">
                   <a:solidFill>
                     <a:srgbClr val="2F528F"/>
                   </a:solidFill>
+                  <a:latin typeface="Helvetica" pitchFamily="2" charset="0"/>
+                  <a:cs typeface="Arial" panose="020B0604020202020204" pitchFamily="34" charset="0"/>
                 </a:rPr>
                 <a:t>Killed</a:t>
               </a:r>
@@ -4602,10 +4624,12 @@
             <a:p>
               <a:pPr algn="ctr"/>
               <a:r>
-                <a:rPr lang="en-LU" sz="2400">
+                <a:rPr lang="en-LU" sz="2000" dirty="0">
                   <a:solidFill>
                     <a:srgbClr val="2F528F"/>
                   </a:solidFill>
+                  <a:latin typeface="Helvetica" pitchFamily="2" charset="0"/>
+                  <a:cs typeface="Arial" panose="020B0604020202020204" pitchFamily="34" charset="0"/>
                 </a:rPr>
                 <a:t>Mutants</a:t>
               </a:r>
@@ -4627,10 +4651,10 @@
         </p:nvGrpSpPr>
         <p:grpSpPr>
           <a:xfrm>
-            <a:off x="222727" y="1733141"/>
-            <a:ext cx="1152466" cy="603658"/>
-            <a:chOff x="7959656" y="5229144"/>
-            <a:chExt cx="1237583" cy="830998"/>
+            <a:off x="222727" y="1733140"/>
+            <a:ext cx="1152466" cy="603657"/>
+            <a:chOff x="7959656" y="5229145"/>
+            <a:chExt cx="1237583" cy="830997"/>
           </a:xfrm>
         </p:grpSpPr>
         <p:sp>
@@ -4681,7 +4705,10 @@
             <a:lstStyle/>
             <a:p>
               <a:pPr algn="ctr"/>
-              <a:endParaRPr lang="en-LU"/>
+              <a:endParaRPr lang="en-LU" sz="1600">
+                <a:latin typeface="Helvetica" pitchFamily="2" charset="0"/>
+                <a:cs typeface="Arial" panose="020B0604020202020204" pitchFamily="34" charset="0"/>
+              </a:endParaRPr>
             </a:p>
           </p:txBody>
         </p:sp>
@@ -4699,8 +4726,8 @@
           </p:nvSpPr>
           <p:spPr>
             <a:xfrm>
-              <a:off x="8241657" y="5229144"/>
-              <a:ext cx="673582" cy="461665"/>
+              <a:off x="8197273" y="5355231"/>
+              <a:ext cx="750872" cy="550793"/>
             </a:xfrm>
             <a:prstGeom prst="rect">
               <a:avLst/>
@@ -4714,10 +4741,12 @@
             <a:p>
               <a:pPr algn="ctr"/>
               <a:r>
-                <a:rPr lang="en-LU" sz="2400">
+                <a:rPr lang="en-LU" sz="2000" dirty="0">
                   <a:solidFill>
                     <a:srgbClr val="2F528F"/>
                   </a:solidFill>
+                  <a:latin typeface="Helvetica" pitchFamily="2" charset="0"/>
+                  <a:cs typeface="Arial" panose="020B0604020202020204" pitchFamily="34" charset="0"/>
                 </a:rPr>
                 <a:t>SUT</a:t>
               </a:r>
@@ -4771,7 +4800,10 @@
           <a:lstStyle/>
           <a:p>
             <a:pPr algn="ctr"/>
-            <a:endParaRPr lang="en-LU"/>
+            <a:endParaRPr lang="en-LU" sz="1600">
+              <a:latin typeface="Helvetica" pitchFamily="2" charset="0"/>
+              <a:cs typeface="Arial" panose="020B0604020202020204" pitchFamily="34" charset="0"/>
+            </a:endParaRPr>
           </a:p>
         </p:txBody>
       </p:sp>
@@ -4789,8 +4821,8 @@
         </p:nvSpPr>
         <p:spPr>
           <a:xfrm>
-            <a:off x="3269177" y="1030444"/>
-            <a:ext cx="7133950" cy="4930262"/>
+            <a:off x="3205056" y="779228"/>
+            <a:ext cx="7401299" cy="5426658"/>
           </a:xfrm>
           <a:prstGeom prst="roundRect">
             <a:avLst/>
@@ -4821,10 +4853,12 @@
           <a:lstStyle/>
           <a:p>
             <a:pPr algn="ctr"/>
-            <a:endParaRPr lang="en-LU" sz="2400">
+            <a:endParaRPr lang="en-LU" sz="2000">
               <a:solidFill>
                 <a:srgbClr val="2F528F"/>
               </a:solidFill>
+              <a:latin typeface="Helvetica" pitchFamily="2" charset="0"/>
+              <a:cs typeface="Arial" panose="020B0604020202020204" pitchFamily="34" charset="0"/>
             </a:endParaRPr>
           </a:p>
         </p:txBody>
@@ -4842,9 +4876,9 @@
           <p:nvPr/>
         </p:nvSpPr>
         <p:spPr>
-          <a:xfrm rot="19260371">
-            <a:off x="8485111" y="3272999"/>
-            <a:ext cx="619286" cy="482982"/>
+          <a:xfrm rot="16200000">
+            <a:off x="7654244" y="4369783"/>
+            <a:ext cx="575240" cy="527487"/>
           </a:xfrm>
           <a:prstGeom prst="rightArrow">
             <a:avLst/>
@@ -4879,7 +4913,10 @@
           <a:lstStyle/>
           <a:p>
             <a:pPr algn="ctr"/>
-            <a:endParaRPr lang="en-LU"/>
+            <a:endParaRPr lang="en-LU" sz="1600">
+              <a:latin typeface="Helvetica" pitchFamily="2" charset="0"/>
+              <a:cs typeface="Arial" panose="020B0604020202020204" pitchFamily="34" charset="0"/>
+            </a:endParaRPr>
           </a:p>
         </p:txBody>
       </p:sp>
@@ -4897,8 +4934,8 @@
         </p:nvSpPr>
         <p:spPr>
           <a:xfrm>
-            <a:off x="3212192" y="3949782"/>
-            <a:ext cx="431076" cy="621017"/>
+            <a:off x="3179783" y="3949782"/>
+            <a:ext cx="504390" cy="621017"/>
           </a:xfrm>
           <a:prstGeom prst="rightArrow">
             <a:avLst>
@@ -4936,7 +4973,10 @@
           <a:lstStyle/>
           <a:p>
             <a:pPr algn="ctr"/>
-            <a:endParaRPr lang="en-LU"/>
+            <a:endParaRPr lang="en-LU" sz="1600">
+              <a:latin typeface="Helvetica" pitchFamily="2" charset="0"/>
+              <a:cs typeface="Arial" panose="020B0604020202020204" pitchFamily="34" charset="0"/>
+            </a:endParaRPr>
           </a:p>
         </p:txBody>
       </p:sp>
@@ -4954,8 +4994,8 @@
         </p:nvSpPr>
         <p:spPr>
           <a:xfrm>
-            <a:off x="5899254" y="1114256"/>
-            <a:ext cx="1042273" cy="461665"/>
+            <a:off x="6295990" y="831918"/>
+            <a:ext cx="1420582" cy="523220"/>
           </a:xfrm>
           <a:prstGeom prst="rect">
             <a:avLst/>
@@ -4969,12 +5009,14 @@
           <a:lstStyle/>
           <a:p>
             <a:r>
-              <a:rPr lang="en-LU" sz="2400">
+              <a:rPr lang="en-LU" sz="2800" b="1" dirty="0">
                 <a:solidFill>
                   <a:schemeClr val="accent1">
                     <a:lumMod val="75000"/>
                   </a:schemeClr>
                 </a:solidFill>
+                <a:latin typeface="Helvetica" pitchFamily="2" charset="0"/>
+                <a:cs typeface="Arial" panose="020B0604020202020204" pitchFamily="34" charset="0"/>
               </a:rPr>
               <a:t>SEMuS</a:t>
             </a:r>
@@ -4995,8 +5037,8 @@
         </p:nvSpPr>
         <p:spPr>
           <a:xfrm>
-            <a:off x="8760755" y="1890523"/>
-            <a:ext cx="1333140" cy="1253771"/>
+            <a:off x="7107795" y="3305094"/>
+            <a:ext cx="1430846" cy="853622"/>
           </a:xfrm>
           <a:prstGeom prst="roundRect">
             <a:avLst/>
@@ -5028,109 +5070,34 @@
           <a:p>
             <a:pPr algn="ctr"/>
             <a:r>
-              <a:rPr lang="en-LU" sz="2000">
+              <a:rPr lang="en-LU" sz="1600" dirty="0">
                 <a:solidFill>
                   <a:srgbClr val="2F528F"/>
                 </a:solidFill>
+                <a:latin typeface="Helvetica" pitchFamily="2" charset="0"/>
+                <a:cs typeface="Arial" panose="020B0604020202020204" pitchFamily="34" charset="0"/>
               </a:rPr>
-              <a:t>SEMu</a:t>
-            </a:r>
-            <a:br>
-              <a:rPr lang="en-LU" sz="2000">
-                <a:solidFill>
-                  <a:srgbClr val="2F528F"/>
-                </a:solidFill>
-              </a:rPr>
-            </a:br>
-            <a:r>
-              <a:rPr lang="en-LU" sz="2000">
-                <a:solidFill>
-                  <a:srgbClr val="2F528F"/>
-                </a:solidFill>
-              </a:rPr>
-              <a:t>---------</a:t>
-            </a:r>
-            <a:br>
-              <a:rPr lang="en-LU" sz="2000">
-                <a:solidFill>
-                  <a:srgbClr val="2F528F"/>
-                </a:solidFill>
-              </a:rPr>
-            </a:br>
-            <a:r>
-              <a:rPr lang="en-LU" sz="2000">
-                <a:solidFill>
-                  <a:srgbClr val="2F528F"/>
-                </a:solidFill>
-              </a:rPr>
-              <a:t>KLEE</a:t>
-            </a:r>
-          </a:p>
-        </p:txBody>
-      </p:sp>
-      <p:cxnSp>
-        <p:nvCxnSpPr>
-          <p:cNvPr id="35" name="Straight Connector 34">
-            <a:extLst>
-              <a:ext uri="{FF2B5EF4-FFF2-40B4-BE49-F238E27FC236}">
-                <a16:creationId xmlns:a16="http://schemas.microsoft.com/office/drawing/2014/main" id="{1DB6E875-3D10-774B-92B2-FDE2E8E7B1E6}"/>
-              </a:ext>
-            </a:extLst>
-          </p:cNvPr>
-          <p:cNvCxnSpPr>
-            <a:cxnSpLocks/>
-            <a:stCxn id="33" idx="1"/>
-            <a:endCxn id="33" idx="3"/>
-          </p:cNvCxnSpPr>
+              <a:t>KLEE-SEMu</a:t>
+            </a:r>
+          </a:p>
+        </p:txBody>
+      </p:sp>
+      <p:sp>
+        <p:nvSpPr>
+          <p:cNvPr id="36" name="Right Arrow 35">
+            <a:extLst>
+              <a:ext uri="{FF2B5EF4-FFF2-40B4-BE49-F238E27FC236}">
+                <a16:creationId xmlns:a16="http://schemas.microsoft.com/office/drawing/2014/main" id="{50639312-3927-7A47-97DD-BFD39C0319D0}"/>
+              </a:ext>
+            </a:extLst>
+          </p:cNvPr>
+          <p:cNvSpPr/>
           <p:nvPr/>
-        </p:nvCxnSpPr>
+        </p:nvSpPr>
         <p:spPr>
           <a:xfrm>
-            <a:off x="8760755" y="2517409"/>
-            <a:ext cx="1333140" cy="0"/>
-          </a:xfrm>
-          <a:prstGeom prst="line">
-            <a:avLst/>
-          </a:prstGeom>
-          <a:ln w="73025">
-            <a:solidFill>
-              <a:schemeClr val="accent1">
-                <a:lumMod val="75000"/>
-              </a:schemeClr>
-            </a:solidFill>
-          </a:ln>
-        </p:spPr>
-        <p:style>
-          <a:lnRef idx="1">
-            <a:schemeClr val="accent1"/>
-          </a:lnRef>
-          <a:fillRef idx="0">
-            <a:schemeClr val="accent1"/>
-          </a:fillRef>
-          <a:effectRef idx="0">
-            <a:schemeClr val="accent1"/>
-          </a:effectRef>
-          <a:fontRef idx="minor">
-            <a:schemeClr val="tx1"/>
-          </a:fontRef>
-        </p:style>
-      </p:cxnSp>
-      <p:sp>
-        <p:nvSpPr>
-          <p:cNvPr id="36" name="Right Arrow 35">
-            <a:extLst>
-              <a:ext uri="{FF2B5EF4-FFF2-40B4-BE49-F238E27FC236}">
-                <a16:creationId xmlns:a16="http://schemas.microsoft.com/office/drawing/2014/main" id="{50639312-3927-7A47-97DD-BFD39C0319D0}"/>
-              </a:ext>
-            </a:extLst>
-          </p:cNvPr>
-          <p:cNvSpPr/>
-          <p:nvPr/>
-        </p:nvSpPr>
-        <p:spPr>
-          <a:xfrm>
-            <a:off x="3114102" y="1766509"/>
-            <a:ext cx="627255" cy="621017"/>
+            <a:off x="3136236" y="1766509"/>
+            <a:ext cx="605121" cy="621017"/>
           </a:xfrm>
           <a:prstGeom prst="rightArrow">
             <a:avLst/>
@@ -5165,7 +5132,10 @@
           <a:lstStyle/>
           <a:p>
             <a:pPr algn="ctr"/>
-            <a:endParaRPr lang="en-LU"/>
+            <a:endParaRPr lang="en-LU" sz="1600">
+              <a:latin typeface="Helvetica" pitchFamily="2" charset="0"/>
+              <a:cs typeface="Arial" panose="020B0604020202020204" pitchFamily="34" charset="0"/>
+            </a:endParaRPr>
           </a:p>
         </p:txBody>
       </p:sp>
@@ -5183,8 +5153,8 @@
         </p:nvSpPr>
         <p:spPr>
           <a:xfrm>
-            <a:off x="10785603" y="2027355"/>
-            <a:ext cx="1344612" cy="871239"/>
+            <a:off x="10875201" y="1791891"/>
+            <a:ext cx="1244934" cy="712652"/>
           </a:xfrm>
           <a:prstGeom prst="roundRect">
             <a:avLst>
@@ -5218,25 +5188,31 @@
           <a:p>
             <a:pPr algn="ctr"/>
             <a:r>
-              <a:rPr lang="en-LU">
+              <a:rPr lang="en-LU" sz="1600">
                 <a:solidFill>
                   <a:srgbClr val="2F528F"/>
                 </a:solidFill>
+                <a:latin typeface="Helvetica" pitchFamily="2" charset="0"/>
+                <a:cs typeface="Arial" panose="020B0604020202020204" pitchFamily="34" charset="0"/>
               </a:rPr>
               <a:t>Generated </a:t>
             </a:r>
             <a:br>
-              <a:rPr lang="en-LU">
+              <a:rPr lang="en-LU" sz="1600">
                 <a:solidFill>
                   <a:srgbClr val="2F528F"/>
                 </a:solidFill>
+                <a:latin typeface="Helvetica" pitchFamily="2" charset="0"/>
+                <a:cs typeface="Arial" panose="020B0604020202020204" pitchFamily="34" charset="0"/>
               </a:rPr>
             </a:br>
             <a:r>
-              <a:rPr lang="en-LU">
+              <a:rPr lang="en-LU" sz="1600">
                 <a:solidFill>
                   <a:srgbClr val="2F528F"/>
                 </a:solidFill>
+                <a:latin typeface="Helvetica" pitchFamily="2" charset="0"/>
+                <a:cs typeface="Arial" panose="020B0604020202020204" pitchFamily="34" charset="0"/>
               </a:rPr>
               <a:t>Tests</a:t>
             </a:r>
@@ -5257,8 +5233,8 @@
         </p:nvSpPr>
         <p:spPr>
           <a:xfrm>
-            <a:off x="3738543" y="3771522"/>
-            <a:ext cx="1278371" cy="939005"/>
+            <a:off x="3733933" y="3765908"/>
+            <a:ext cx="1236204" cy="939005"/>
           </a:xfrm>
           <a:prstGeom prst="roundRect">
             <a:avLst/>
@@ -5290,10 +5266,12 @@
           <a:p>
             <a:pPr algn="ctr"/>
             <a:r>
-              <a:rPr lang="en-LU">
+              <a:rPr lang="en-LU" sz="1600">
                 <a:solidFill>
                   <a:srgbClr val="2F528F"/>
                 </a:solidFill>
+                <a:latin typeface="Helvetica" pitchFamily="2" charset="0"/>
+                <a:cs typeface="Arial" panose="020B0604020202020204" pitchFamily="34" charset="0"/>
               </a:rPr>
               <a:t>Pre-SEMu</a:t>
             </a:r>
@@ -5314,8 +5292,8 @@
         </p:nvSpPr>
         <p:spPr>
           <a:xfrm>
-            <a:off x="3816313" y="1561250"/>
-            <a:ext cx="1670003" cy="1103424"/>
+            <a:off x="3862818" y="1516794"/>
+            <a:ext cx="1634723" cy="1103424"/>
           </a:xfrm>
           <a:prstGeom prst="roundRect">
             <a:avLst/>
@@ -5347,10 +5325,12 @@
           <a:p>
             <a:pPr algn="ctr"/>
             <a:r>
-              <a:rPr lang="en-LU">
+              <a:rPr lang="en-LU" sz="1600">
                 <a:solidFill>
                   <a:srgbClr val="2F528F"/>
                 </a:solidFill>
+                <a:latin typeface="Helvetica" pitchFamily="2" charset="0"/>
+                <a:cs typeface="Arial" panose="020B0604020202020204" pitchFamily="34" charset="0"/>
               </a:rPr>
               <a:t>Test Template Generator</a:t>
             </a:r>
@@ -5371,7 +5351,7 @@
         </p:nvSpPr>
         <p:spPr>
           <a:xfrm>
-            <a:off x="7178454" y="3912850"/>
+            <a:off x="7329461" y="5097201"/>
             <a:ext cx="1495078" cy="764355"/>
           </a:xfrm>
           <a:prstGeom prst="roundRect">
@@ -5406,10 +5386,12 @@
           <a:p>
             <a:pPr algn="ctr"/>
             <a:r>
-              <a:rPr lang="en-LU">
+              <a:rPr lang="en-LU" sz="1600" dirty="0">
                 <a:solidFill>
                   <a:srgbClr val="2F528F"/>
                 </a:solidFill>
+                <a:latin typeface="Helvetica" pitchFamily="2" charset="0"/>
+                <a:cs typeface="Arial" panose="020B0604020202020204" pitchFamily="34" charset="0"/>
               </a:rPr>
               <a:t>Meta Mutant Bytecode</a:t>
             </a:r>
@@ -5430,8 +5412,8 @@
         </p:nvSpPr>
         <p:spPr>
           <a:xfrm>
-            <a:off x="6288534" y="1601276"/>
-            <a:ext cx="1670003" cy="1103424"/>
+            <a:off x="6295990" y="1675381"/>
+            <a:ext cx="1670003" cy="786250"/>
           </a:xfrm>
           <a:prstGeom prst="roundRect">
             <a:avLst>
@@ -5465,10 +5447,12 @@
           <a:p>
             <a:pPr algn="ctr"/>
             <a:r>
-              <a:rPr lang="en-LU" sz="2000">
+              <a:rPr lang="en-LU">
                 <a:solidFill>
                   <a:srgbClr val="2F528F"/>
                 </a:solidFill>
+                <a:latin typeface="Helvetica" pitchFamily="2" charset="0"/>
+                <a:cs typeface="Arial" panose="020B0604020202020204" pitchFamily="34" charset="0"/>
               </a:rPr>
               <a:t>Test Template</a:t>
             </a:r>
@@ -5488,9 +5472,9 @@
           <p:nvPr/>
         </p:nvSpPr>
         <p:spPr>
-          <a:xfrm>
-            <a:off x="8043530" y="2029864"/>
-            <a:ext cx="611191" cy="487544"/>
+          <a:xfrm rot="5400000">
+            <a:off x="7567414" y="2646206"/>
+            <a:ext cx="487543" cy="487544"/>
           </a:xfrm>
           <a:prstGeom prst="rightArrow">
             <a:avLst/>
@@ -5525,7 +5509,10 @@
           <a:lstStyle/>
           <a:p>
             <a:pPr algn="ctr"/>
-            <a:endParaRPr lang="en-LU"/>
+            <a:endParaRPr lang="en-LU" sz="1600">
+              <a:latin typeface="Helvetica" pitchFamily="2" charset="0"/>
+              <a:cs typeface="Arial" panose="020B0604020202020204" pitchFamily="34" charset="0"/>
+            </a:endParaRPr>
           </a:p>
         </p:txBody>
       </p:sp>
@@ -5543,8 +5530,8 @@
         </p:nvSpPr>
         <p:spPr>
           <a:xfrm>
-            <a:off x="10199929" y="2273636"/>
-            <a:ext cx="611191" cy="487544"/>
+            <a:off x="8651561" y="3489806"/>
+            <a:ext cx="426243" cy="487544"/>
           </a:xfrm>
           <a:prstGeom prst="rightArrow">
             <a:avLst/>
@@ -5579,7 +5566,10 @@
           <a:lstStyle/>
           <a:p>
             <a:pPr algn="ctr"/>
-            <a:endParaRPr lang="en-LU"/>
+            <a:endParaRPr lang="en-LU" sz="1600">
+              <a:latin typeface="Helvetica" pitchFamily="2" charset="0"/>
+              <a:cs typeface="Arial" panose="020B0604020202020204" pitchFamily="34" charset="0"/>
+            </a:endParaRPr>
           </a:p>
         </p:txBody>
       </p:sp>
@@ -5633,7 +5623,10 @@
           <a:lstStyle/>
           <a:p>
             <a:pPr algn="ctr"/>
-            <a:endParaRPr lang="en-LU"/>
+            <a:endParaRPr lang="en-LU" sz="1600">
+              <a:latin typeface="Helvetica" pitchFamily="2" charset="0"/>
+              <a:cs typeface="Arial" panose="020B0604020202020204" pitchFamily="34" charset="0"/>
+            </a:endParaRPr>
           </a:p>
         </p:txBody>
       </p:sp>
@@ -5651,7 +5644,7 @@
         </p:nvSpPr>
         <p:spPr>
           <a:xfrm>
-            <a:off x="5074107" y="4058415"/>
+            <a:off x="5075206" y="4073274"/>
             <a:ext cx="464628" cy="386994"/>
           </a:xfrm>
           <a:prstGeom prst="rightArrow">
@@ -5687,7 +5680,10 @@
           <a:lstStyle/>
           <a:p>
             <a:pPr algn="ctr"/>
-            <a:endParaRPr lang="en-LU"/>
+            <a:endParaRPr lang="en-LU" sz="1600">
+              <a:latin typeface="Helvetica" pitchFamily="2" charset="0"/>
+              <a:cs typeface="Arial" panose="020B0604020202020204" pitchFamily="34" charset="0"/>
+            </a:endParaRPr>
           </a:p>
         </p:txBody>
       </p:sp>
@@ -5705,10 +5701,10 @@
         </p:nvGrpSpPr>
         <p:grpSpPr>
           <a:xfrm>
-            <a:off x="1364504" y="1739088"/>
-            <a:ext cx="1774374" cy="619922"/>
+            <a:off x="1364504" y="1739085"/>
+            <a:ext cx="1774374" cy="607690"/>
             <a:chOff x="7794394" y="4916188"/>
-            <a:chExt cx="1867493" cy="1166979"/>
+            <a:chExt cx="1867493" cy="1143954"/>
           </a:xfrm>
         </p:grpSpPr>
         <p:sp>
@@ -5759,7 +5755,10 @@
             <a:lstStyle/>
             <a:p>
               <a:pPr algn="ctr"/>
-              <a:endParaRPr lang="en-LU"/>
+              <a:endParaRPr lang="en-LU" sz="1600">
+                <a:latin typeface="Helvetica" pitchFamily="2" charset="0"/>
+                <a:cs typeface="Arial" panose="020B0604020202020204" pitchFamily="34" charset="0"/>
+              </a:endParaRPr>
             </a:p>
           </p:txBody>
         </p:sp>
@@ -5778,7 +5777,7 @@
           <p:spPr>
             <a:xfrm>
               <a:off x="7794394" y="4917506"/>
-              <a:ext cx="1867493" cy="1165661"/>
+              <a:ext cx="1867493" cy="1100816"/>
             </a:xfrm>
             <a:prstGeom prst="rect">
               <a:avLst/>
@@ -5792,25 +5791,31 @@
             <a:p>
               <a:pPr algn="ctr"/>
               <a:r>
-                <a:rPr lang="en-LU">
+                <a:rPr lang="en-LU" sz="1600" dirty="0">
                   <a:solidFill>
                     <a:srgbClr val="2F528F"/>
                   </a:solidFill>
+                  <a:latin typeface="Helvetica" pitchFamily="2" charset="0"/>
+                  <a:cs typeface="Arial" panose="020B0604020202020204" pitchFamily="34" charset="0"/>
                 </a:rPr>
                 <a:t>SUT</a:t>
               </a:r>
               <a:br>
-                <a:rPr lang="en-LU">
+                <a:rPr lang="en-LU" sz="1600" dirty="0">
                   <a:solidFill>
                     <a:srgbClr val="2F528F"/>
                   </a:solidFill>
+                  <a:latin typeface="Helvetica" pitchFamily="2" charset="0"/>
+                  <a:cs typeface="Arial" panose="020B0604020202020204" pitchFamily="34" charset="0"/>
                 </a:rPr>
               </a:br>
               <a:r>
-                <a:rPr lang="en-LU">
+                <a:rPr lang="en-LU" sz="1600" dirty="0">
                   <a:solidFill>
                     <a:srgbClr val="2F528F"/>
                   </a:solidFill>
+                  <a:latin typeface="Helvetica" pitchFamily="2" charset="0"/>
+                  <a:cs typeface="Arial" panose="020B0604020202020204" pitchFamily="34" charset="0"/>
                 </a:rPr>
                 <a:t>Functions</a:t>
               </a:r>
@@ -5832,7 +5837,7 @@
         </p:nvSpPr>
         <p:spPr>
           <a:xfrm>
-            <a:off x="5606911" y="3833479"/>
+            <a:off x="5660606" y="3784357"/>
             <a:ext cx="1003926" cy="853622"/>
           </a:xfrm>
           <a:prstGeom prst="roundRect">
@@ -5867,10 +5872,12 @@
           <a:p>
             <a:pPr algn="ctr"/>
             <a:r>
-              <a:rPr lang="en-LU">
+              <a:rPr lang="en-LU" sz="1600" dirty="0">
                 <a:solidFill>
                   <a:srgbClr val="2F528F"/>
                 </a:solidFill>
+                <a:latin typeface="Helvetica" pitchFamily="2" charset="0"/>
+                <a:cs typeface="Arial" panose="020B0604020202020204" pitchFamily="34" charset="0"/>
               </a:rPr>
               <a:t>Meta Mutant</a:t>
             </a:r>
@@ -5891,7 +5898,7 @@
         </p:nvSpPr>
         <p:spPr>
           <a:xfrm>
-            <a:off x="5606911" y="5164661"/>
+            <a:off x="5462089" y="5164661"/>
             <a:ext cx="1162868" cy="721790"/>
           </a:xfrm>
           <a:prstGeom prst="roundRect">
@@ -5926,25 +5933,31 @@
           <a:p>
             <a:pPr algn="ctr"/>
             <a:r>
-              <a:rPr lang="en-LU">
+              <a:rPr lang="en-LU" sz="1600">
                 <a:solidFill>
                   <a:srgbClr val="2F528F"/>
                 </a:solidFill>
+                <a:latin typeface="Helvetica" pitchFamily="2" charset="0"/>
+                <a:cs typeface="Arial" panose="020B0604020202020204" pitchFamily="34" charset="0"/>
               </a:rPr>
               <a:t>LLVM</a:t>
             </a:r>
             <a:br>
-              <a:rPr lang="en-LU">
+              <a:rPr lang="en-LU" sz="1600">
                 <a:solidFill>
                   <a:srgbClr val="2F528F"/>
                 </a:solidFill>
+                <a:latin typeface="Helvetica" pitchFamily="2" charset="0"/>
+                <a:cs typeface="Arial" panose="020B0604020202020204" pitchFamily="34" charset="0"/>
               </a:rPr>
             </a:br>
             <a:r>
-              <a:rPr lang="en-LU">
+              <a:rPr lang="en-LU" sz="1600">
                 <a:solidFill>
                   <a:srgbClr val="2F528F"/>
                 </a:solidFill>
+                <a:latin typeface="Helvetica" pitchFamily="2" charset="0"/>
+                <a:cs typeface="Arial" panose="020B0604020202020204" pitchFamily="34" charset="0"/>
               </a:rPr>
               <a:t>Compiler</a:t>
             </a:r>
@@ -5965,7 +5978,7 @@
         </p:nvSpPr>
         <p:spPr>
           <a:xfrm rot="5400000">
-            <a:off x="5972429" y="4732384"/>
+            <a:off x="6000374" y="4707823"/>
             <a:ext cx="345351" cy="386994"/>
           </a:xfrm>
           <a:prstGeom prst="rightArrow">
@@ -6001,7 +6014,10 @@
           <a:lstStyle/>
           <a:p>
             <a:pPr algn="ctr"/>
-            <a:endParaRPr lang="en-LU"/>
+            <a:endParaRPr lang="en-LU" sz="1600">
+              <a:latin typeface="Helvetica" pitchFamily="2" charset="0"/>
+              <a:cs typeface="Arial" panose="020B0604020202020204" pitchFamily="34" charset="0"/>
+            </a:endParaRPr>
           </a:p>
         </p:txBody>
       </p:sp>
@@ -6018,8 +6034,8 @@
           <p:nvPr/>
         </p:nvSpPr>
         <p:spPr>
-          <a:xfrm rot="19411440">
-            <a:off x="6891221" y="4971164"/>
+          <a:xfrm>
+            <a:off x="6766584" y="5328286"/>
             <a:ext cx="464628" cy="386994"/>
           </a:xfrm>
           <a:prstGeom prst="rightArrow">
@@ -6055,7 +6071,244 @@
           <a:lstStyle/>
           <a:p>
             <a:pPr algn="ctr"/>
-            <a:endParaRPr lang="en-LU"/>
+            <a:endParaRPr lang="en-LU" sz="1600">
+              <a:latin typeface="Helvetica" pitchFamily="2" charset="0"/>
+              <a:cs typeface="Arial" panose="020B0604020202020204" pitchFamily="34" charset="0"/>
+            </a:endParaRPr>
+          </a:p>
+        </p:txBody>
+      </p:sp>
+      <p:sp>
+        <p:nvSpPr>
+          <p:cNvPr id="43" name="Rounded Rectangle 42">
+            <a:extLst>
+              <a:ext uri="{FF2B5EF4-FFF2-40B4-BE49-F238E27FC236}">
+                <a16:creationId xmlns:a16="http://schemas.microsoft.com/office/drawing/2014/main" id="{7FFBF5AD-4FAE-BD47-961E-147EA784812A}"/>
+              </a:ext>
+            </a:extLst>
+          </p:cNvPr>
+          <p:cNvSpPr/>
+          <p:nvPr/>
+        </p:nvSpPr>
+        <p:spPr>
+          <a:xfrm>
+            <a:off x="9175694" y="3385114"/>
+            <a:ext cx="1189010" cy="679392"/>
+          </a:xfrm>
+          <a:prstGeom prst="roundRect">
+            <a:avLst>
+              <a:gd name="adj" fmla="val 0"/>
+            </a:avLst>
+          </a:prstGeom>
+          <a:solidFill>
+            <a:schemeClr val="bg2"/>
+          </a:solidFill>
+          <a:ln w="63500"/>
+        </p:spPr>
+        <p:style>
+          <a:lnRef idx="2">
+            <a:schemeClr val="accent1">
+              <a:shade val="50000"/>
+            </a:schemeClr>
+          </a:lnRef>
+          <a:fillRef idx="1">
+            <a:schemeClr val="accent1"/>
+          </a:fillRef>
+          <a:effectRef idx="0">
+            <a:schemeClr val="accent1"/>
+          </a:effectRef>
+          <a:fontRef idx="minor">
+            <a:schemeClr val="lt1"/>
+          </a:fontRef>
+        </p:style>
+        <p:txBody>
+          <a:bodyPr rtlCol="0" anchor="ctr"/>
+          <a:lstStyle/>
+          <a:p>
+            <a:pPr algn="ctr"/>
+            <a:r>
+              <a:rPr lang="en-LU" sz="1400" dirty="0">
+                <a:solidFill>
+                  <a:srgbClr val="2F528F"/>
+                </a:solidFill>
+                <a:latin typeface="Helvetica" pitchFamily="2" charset="0"/>
+                <a:cs typeface="Arial" panose="020B0604020202020204" pitchFamily="34" charset="0"/>
+              </a:rPr>
+              <a:t>KLEE Tests</a:t>
+            </a:r>
+          </a:p>
+        </p:txBody>
+      </p:sp>
+      <p:sp>
+        <p:nvSpPr>
+          <p:cNvPr id="52" name="Right Arrow 51">
+            <a:extLst>
+              <a:ext uri="{FF2B5EF4-FFF2-40B4-BE49-F238E27FC236}">
+                <a16:creationId xmlns:a16="http://schemas.microsoft.com/office/drawing/2014/main" id="{6A2F1F3D-DB8B-8E4B-BB19-E47EF036BB10}"/>
+              </a:ext>
+            </a:extLst>
+          </p:cNvPr>
+          <p:cNvSpPr/>
+          <p:nvPr/>
+        </p:nvSpPr>
+        <p:spPr>
+          <a:xfrm rot="16200000">
+            <a:off x="9389832" y="2728828"/>
+            <a:ext cx="518898" cy="482982"/>
+          </a:xfrm>
+          <a:prstGeom prst="rightArrow">
+            <a:avLst/>
+          </a:prstGeom>
+          <a:solidFill>
+            <a:schemeClr val="bg1"/>
+          </a:solidFill>
+          <a:ln w="63500">
+            <a:solidFill>
+              <a:schemeClr val="accent2"/>
+            </a:solidFill>
+          </a:ln>
+        </p:spPr>
+        <p:style>
+          <a:lnRef idx="2">
+            <a:schemeClr val="accent1">
+              <a:shade val="50000"/>
+            </a:schemeClr>
+          </a:lnRef>
+          <a:fillRef idx="1">
+            <a:schemeClr val="accent1"/>
+          </a:fillRef>
+          <a:effectRef idx="0">
+            <a:schemeClr val="accent1"/>
+          </a:effectRef>
+          <a:fontRef idx="minor">
+            <a:schemeClr val="lt1"/>
+          </a:fontRef>
+        </p:style>
+        <p:txBody>
+          <a:bodyPr rtlCol="0" anchor="ctr"/>
+          <a:lstStyle/>
+          <a:p>
+            <a:pPr algn="ctr"/>
+            <a:endParaRPr lang="en-LU" sz="1600">
+              <a:latin typeface="Helvetica" pitchFamily="2" charset="0"/>
+              <a:cs typeface="Arial" panose="020B0604020202020204" pitchFamily="34" charset="0"/>
+            </a:endParaRPr>
+          </a:p>
+        </p:txBody>
+      </p:sp>
+      <p:sp>
+        <p:nvSpPr>
+          <p:cNvPr id="53" name="Rounded Rectangle 52">
+            <a:extLst>
+              <a:ext uri="{FF2B5EF4-FFF2-40B4-BE49-F238E27FC236}">
+                <a16:creationId xmlns:a16="http://schemas.microsoft.com/office/drawing/2014/main" id="{287D44B9-575E-E345-B3F2-AE138593529B}"/>
+              </a:ext>
+            </a:extLst>
+          </p:cNvPr>
+          <p:cNvSpPr/>
+          <p:nvPr/>
+        </p:nvSpPr>
+        <p:spPr>
+          <a:xfrm>
+            <a:off x="8933858" y="1701902"/>
+            <a:ext cx="1430846" cy="853622"/>
+          </a:xfrm>
+          <a:prstGeom prst="roundRect">
+            <a:avLst/>
+          </a:prstGeom>
+          <a:solidFill>
+            <a:schemeClr val="bg1"/>
+          </a:solidFill>
+          <a:ln w="63500"/>
+        </p:spPr>
+        <p:style>
+          <a:lnRef idx="2">
+            <a:schemeClr val="accent1">
+              <a:shade val="50000"/>
+            </a:schemeClr>
+          </a:lnRef>
+          <a:fillRef idx="1">
+            <a:schemeClr val="accent1"/>
+          </a:fillRef>
+          <a:effectRef idx="0">
+            <a:schemeClr val="accent1"/>
+          </a:effectRef>
+          <a:fontRef idx="minor">
+            <a:schemeClr val="lt1"/>
+          </a:fontRef>
+        </p:style>
+        <p:txBody>
+          <a:bodyPr rtlCol="0" anchor="ctr"/>
+          <a:lstStyle/>
+          <a:p>
+            <a:pPr algn="ctr"/>
+            <a:r>
+              <a:rPr lang="en-LU" dirty="0">
+                <a:solidFill>
+                  <a:srgbClr val="2F528F"/>
+                </a:solidFill>
+                <a:latin typeface="Helvetica" pitchFamily="2" charset="0"/>
+                <a:cs typeface="Arial" panose="020B0604020202020204" pitchFamily="34" charset="0"/>
+              </a:rPr>
+              <a:t>KTests to Unit Tests</a:t>
+            </a:r>
+          </a:p>
+        </p:txBody>
+      </p:sp>
+      <p:sp>
+        <p:nvSpPr>
+          <p:cNvPr id="54" name="Right Arrow 53">
+            <a:extLst>
+              <a:ext uri="{FF2B5EF4-FFF2-40B4-BE49-F238E27FC236}">
+                <a16:creationId xmlns:a16="http://schemas.microsoft.com/office/drawing/2014/main" id="{734161F8-B538-3442-9486-A6500F0F5850}"/>
+              </a:ext>
+            </a:extLst>
+          </p:cNvPr>
+          <p:cNvSpPr/>
+          <p:nvPr/>
+        </p:nvSpPr>
+        <p:spPr>
+          <a:xfrm>
+            <a:off x="10430712" y="1947956"/>
+            <a:ext cx="396784" cy="439570"/>
+          </a:xfrm>
+          <a:prstGeom prst="rightArrow">
+            <a:avLst/>
+          </a:prstGeom>
+          <a:solidFill>
+            <a:schemeClr val="bg1"/>
+          </a:solidFill>
+          <a:ln w="63500">
+            <a:solidFill>
+              <a:schemeClr val="accent2"/>
+            </a:solidFill>
+          </a:ln>
+        </p:spPr>
+        <p:style>
+          <a:lnRef idx="2">
+            <a:schemeClr val="accent1">
+              <a:shade val="50000"/>
+            </a:schemeClr>
+          </a:lnRef>
+          <a:fillRef idx="1">
+            <a:schemeClr val="accent1"/>
+          </a:fillRef>
+          <a:effectRef idx="0">
+            <a:schemeClr val="accent1"/>
+          </a:effectRef>
+          <a:fontRef idx="minor">
+            <a:schemeClr val="lt1"/>
+          </a:fontRef>
+        </p:style>
+        <p:txBody>
+          <a:bodyPr rtlCol="0" anchor="ctr"/>
+          <a:lstStyle/>
+          <a:p>
+            <a:pPr algn="ctr"/>
+            <a:endParaRPr lang="en-LU" sz="1600">
+              <a:latin typeface="Helvetica" pitchFamily="2" charset="0"/>
+              <a:cs typeface="Arial" panose="020B0604020202020204" pitchFamily="34" charset="0"/>
+            </a:endParaRPr>
           </a:p>
         </p:txBody>
       </p:sp>
